--- a/Data Network and Communcation/Unit-1-Introduction-to-communication.pptx
+++ b/Data Network and Communcation/Unit-1-Introduction-to-communication.pptx
@@ -171,6 +171,11 @@
       </a:defRPr>
     </a:lvl9pPr>
   </p:defaultTextStyle>
+  <p:extLst>
+    <p:ext uri="{EFAFB233-063F-42B5-8137-9DF3F51BA10A}">
+      <p15:sldGuideLst xmlns:p15="http://schemas.microsoft.com/office/powerpoint/2012/main"/>
+    </p:ext>
+  </p:extLst>
 </p:presentation>
 </file>
 
@@ -256,7 +261,7 @@
           <a:p>
             <a:fld id="{A065CD0B-7144-49AA-B6FE-8D0AB1012A48}" type="datetimeFigureOut">
               <a:rPr lang="en-US" smtClean="0"/>
-              <a:t>12/16/2023</a:t>
+              <a:t>10/31/2024</a:t>
             </a:fld>
             <a:endParaRPr lang="en-US"/>
           </a:p>
@@ -709,7 +714,7 @@
           <a:p>
             <a:fld id="{308F6AE8-1602-445B-9BCF-09C34A5EA770}" type="datetime1">
               <a:rPr lang="en-US" smtClean="0"/>
-              <a:t>12/16/2023</a:t>
+              <a:t>10/31/2024</a:t>
             </a:fld>
             <a:endParaRPr lang="en-US"/>
           </a:p>
@@ -984,7 +989,7 @@
           <a:p>
             <a:fld id="{C6AF2A95-A49F-4415-AE41-3AC11431BE3F}" type="datetime1">
               <a:rPr lang="en-US" smtClean="0"/>
-              <a:t>12/16/2023</a:t>
+              <a:t>10/31/2024</a:t>
             </a:fld>
             <a:endParaRPr lang="en-US"/>
           </a:p>
@@ -1178,7 +1183,7 @@
           <a:p>
             <a:fld id="{E9285C02-FC7D-4ED2-9107-86AD8E337CB9}" type="datetime1">
               <a:rPr lang="en-US" smtClean="0"/>
-              <a:t>12/16/2023</a:t>
+              <a:t>10/31/2024</a:t>
             </a:fld>
             <a:endParaRPr lang="en-US"/>
           </a:p>
@@ -1451,7 +1456,7 @@
           <a:p>
             <a:fld id="{267B0FE6-C78E-4DAD-8C12-EBABA22175BA}" type="datetime1">
               <a:rPr lang="en-US" smtClean="0"/>
-              <a:t>12/16/2023</a:t>
+              <a:t>10/31/2024</a:t>
             </a:fld>
             <a:endParaRPr lang="en-US"/>
           </a:p>
@@ -1792,7 +1797,7 @@
           <a:p>
             <a:fld id="{E37EF460-789C-4966-A36F-98896CEFC912}" type="datetime1">
               <a:rPr lang="en-US" smtClean="0"/>
-              <a:t>12/16/2023</a:t>
+              <a:t>10/31/2024</a:t>
             </a:fld>
             <a:endParaRPr lang="en-US"/>
           </a:p>
@@ -2415,7 +2420,7 @@
           <a:p>
             <a:fld id="{8C5F63D7-84CD-4560-A899-8F4DA4BD0908}" type="datetime1">
               <a:rPr lang="en-US" smtClean="0"/>
-              <a:t>12/16/2023</a:t>
+              <a:t>10/31/2024</a:t>
             </a:fld>
             <a:endParaRPr lang="en-US"/>
           </a:p>
@@ -3275,7 +3280,7 @@
           <a:p>
             <a:fld id="{22F0C76C-9486-4FC4-9924-C3DC4EA924E4}" type="datetime1">
               <a:rPr lang="en-US" smtClean="0"/>
-              <a:t>12/16/2023</a:t>
+              <a:t>10/31/2024</a:t>
             </a:fld>
             <a:endParaRPr lang="en-US"/>
           </a:p>
@@ -3445,7 +3450,7 @@
           <a:p>
             <a:fld id="{98906B2A-23C8-4D99-B820-03A14FE43BCC}" type="datetime1">
               <a:rPr lang="en-US" smtClean="0"/>
-              <a:t>12/16/2023</a:t>
+              <a:t>10/31/2024</a:t>
             </a:fld>
             <a:endParaRPr lang="en-US"/>
           </a:p>
@@ -3625,7 +3630,7 @@
           <a:p>
             <a:fld id="{BDE6A816-6538-4CD3-9A54-EE5C68441DD8}" type="datetime1">
               <a:rPr lang="en-US" smtClean="0"/>
-              <a:t>12/16/2023</a:t>
+              <a:t>10/31/2024</a:t>
             </a:fld>
             <a:endParaRPr lang="en-US"/>
           </a:p>
@@ -3795,7 +3800,7 @@
           <a:p>
             <a:fld id="{A0AD026B-CE7E-4B4D-A7CE-017ED69DC23C}" type="datetime1">
               <a:rPr lang="en-US" smtClean="0"/>
-              <a:t>12/16/2023</a:t>
+              <a:t>10/31/2024</a:t>
             </a:fld>
             <a:endParaRPr lang="en-US"/>
           </a:p>
@@ -4042,7 +4047,7 @@
           <a:p>
             <a:fld id="{799D7CE9-3802-4432-9EF9-EE71CA5B8BAD}" type="datetime1">
               <a:rPr lang="en-US" smtClean="0"/>
-              <a:t>12/16/2023</a:t>
+              <a:t>10/31/2024</a:t>
             </a:fld>
             <a:endParaRPr lang="en-US"/>
           </a:p>
@@ -4334,7 +4339,7 @@
           <a:p>
             <a:fld id="{55FE6D79-1404-4FFE-8682-37145353E832}" type="datetime1">
               <a:rPr lang="en-US" smtClean="0"/>
-              <a:t>12/16/2023</a:t>
+              <a:t>10/31/2024</a:t>
             </a:fld>
             <a:endParaRPr lang="en-US"/>
           </a:p>
@@ -4778,7 +4783,7 @@
           <a:p>
             <a:fld id="{AA1CA49B-871C-4747-B87C-76691073E56B}" type="datetime1">
               <a:rPr lang="en-US" smtClean="0"/>
-              <a:t>12/16/2023</a:t>
+              <a:t>10/31/2024</a:t>
             </a:fld>
             <a:endParaRPr lang="en-US"/>
           </a:p>
@@ -4896,7 +4901,7 @@
           <a:p>
             <a:fld id="{34188752-514B-4B0F-AA98-5688C83D0616}" type="datetime1">
               <a:rPr lang="en-US" smtClean="0"/>
-              <a:t>12/16/2023</a:t>
+              <a:t>10/31/2024</a:t>
             </a:fld>
             <a:endParaRPr lang="en-US"/>
           </a:p>
@@ -4991,7 +4996,7 @@
           <a:p>
             <a:fld id="{5DE91CA1-1D35-4140-A730-84800BB1477D}" type="datetime1">
               <a:rPr lang="en-US" smtClean="0"/>
-              <a:t>12/16/2023</a:t>
+              <a:t>10/31/2024</a:t>
             </a:fld>
             <a:endParaRPr lang="en-US"/>
           </a:p>
@@ -5270,7 +5275,7 @@
           <a:p>
             <a:fld id="{AF203750-6325-4C0A-8B31-16B833D25E00}" type="datetime1">
               <a:rPr lang="en-US" smtClean="0"/>
-              <a:t>12/16/2023</a:t>
+              <a:t>10/31/2024</a:t>
             </a:fld>
             <a:endParaRPr lang="en-US"/>
           </a:p>
@@ -5545,7 +5550,7 @@
           <a:p>
             <a:fld id="{F58BE215-E79A-4D80-B3BE-99586C697DBF}" type="datetime1">
               <a:rPr lang="en-US" smtClean="0"/>
-              <a:t>12/16/2023</a:t>
+              <a:t>10/31/2024</a:t>
             </a:fld>
             <a:endParaRPr lang="en-US"/>
           </a:p>
@@ -5974,7 +5979,7 @@
           <a:p>
             <a:fld id="{4537CA78-CDDD-4FA6-BBC3-BE2350DD8B2F}" type="datetime1">
               <a:rPr lang="en-US" smtClean="0"/>
-              <a:t>12/16/2023</a:t>
+              <a:t>10/31/2024</a:t>
             </a:fld>
             <a:endParaRPr lang="en-US"/>
           </a:p>
